--- a/Project Submission/Presentation/show power consumption slides.pptx
+++ b/Project Submission/Presentation/show power consumption slides.pptx
@@ -3363,45 +3363,6 @@
           </a:p>
         </p:txBody>
       </p:sp>
-      <p:pic>
-        <p:nvPicPr>
-          <p:cNvPr id="4" name="Picture 22" descr="C:\Users\Aviel\Desktop\סמסטר ב' - 2019\סדנא בהנדסת תוכנה\פרוייקט\תמונות מסך\PowerConsumptionKW - LoggedInWithoutSidebar.jpg.png">
-            <a:extLst>
-              <a:ext uri="{FF2B5EF4-FFF2-40B4-BE49-F238E27FC236}">
-                <a16:creationId xmlns:a16="http://schemas.microsoft.com/office/drawing/2014/main" id="{CCD642D4-A36A-4DCF-A075-553C0C9EEBC5}"/>
-              </a:ext>
-            </a:extLst>
-          </p:cNvPr>
-          <p:cNvPicPr/>
-          <p:nvPr/>
-        </p:nvPicPr>
-        <p:blipFill>
-          <a:blip r:embed="rId2" cstate="print">
-            <a:extLst>
-              <a:ext uri="{28A0092B-C50C-407E-A947-70E740481C1C}">
-                <a14:useLocalDpi xmlns:a14="http://schemas.microsoft.com/office/drawing/2010/main" val="0"/>
-              </a:ext>
-            </a:extLst>
-          </a:blip>
-          <a:srcRect/>
-          <a:stretch>
-            <a:fillRect/>
-          </a:stretch>
-        </p:blipFill>
-        <p:spPr bwMode="auto">
-          <a:xfrm>
-            <a:off x="901149" y="1789043"/>
-            <a:ext cx="10363202" cy="4625009"/>
-          </a:xfrm>
-          <a:prstGeom prst="rect">
-            <a:avLst/>
-          </a:prstGeom>
-          <a:noFill/>
-          <a:ln>
-            <a:noFill/>
-          </a:ln>
-        </p:spPr>
-      </p:pic>
       <p:sp>
         <p:nvSpPr>
           <p:cNvPr id="6" name="תיבת טקסט 5">
@@ -3446,6 +3407,35 @@
           </a:p>
         </p:txBody>
       </p:sp>
+      <p:pic>
+        <p:nvPicPr>
+          <p:cNvPr id="3" name="תמונה 2">
+            <a:extLst>
+              <a:ext uri="{FF2B5EF4-FFF2-40B4-BE49-F238E27FC236}">
+                <a16:creationId xmlns:a16="http://schemas.microsoft.com/office/drawing/2014/main" id="{13CC64D7-1652-4C58-83C8-836B7A70B0A8}"/>
+              </a:ext>
+            </a:extLst>
+          </p:cNvPr>
+          <p:cNvPicPr>
+            <a:picLocks noChangeAspect="1"/>
+          </p:cNvPicPr>
+          <p:nvPr/>
+        </p:nvPicPr>
+        <p:blipFill rotWithShape="1">
+          <a:blip r:embed="rId2"/>
+          <a:srcRect l="-1087" t="11698" r="1762" b="5654"/>
+          <a:stretch/>
+        </p:blipFill>
+        <p:spPr>
+          <a:xfrm>
+            <a:off x="901149" y="1716470"/>
+            <a:ext cx="10694503" cy="5003141"/>
+          </a:xfrm>
+          <a:prstGeom prst="rect">
+            <a:avLst/>
+          </a:prstGeom>
+        </p:spPr>
+      </p:pic>
     </p:spTree>
     <p:extLst>
       <p:ext uri="{BB962C8B-B14F-4D97-AF65-F5344CB8AC3E}">
@@ -3494,7 +3484,7 @@
         </p:nvSpPr>
         <p:spPr>
           <a:xfrm>
-            <a:off x="838200" y="134254"/>
+            <a:off x="791816" y="0"/>
             <a:ext cx="10515600" cy="1066110"/>
           </a:xfrm>
         </p:spPr>
@@ -3506,56 +3496,13 @@
           <a:p>
             <a:pPr algn="ctr"/>
             <a:r>
-              <a:rPr lang="en-US" sz="5400" dirty="0"/>
+              <a:rPr lang="en-US" sz="4800" dirty="0"/>
               <a:t>Show Power Consumption Page</a:t>
             </a:r>
-            <a:endParaRPr lang="he-IL" sz="5400" dirty="0"/>
-          </a:p>
-        </p:txBody>
-      </p:sp>
-      <p:pic>
-        <p:nvPicPr>
-          <p:cNvPr id="5" name="Picture 23" descr="C:\Users\Aviel\Desktop\סמסטר ב' - 2019\סדנא בהנדסת תוכנה\פרוייקט\תמונות מסך\PowerConsumptionNIS - LoggedInWithoutSidebar.jpg.png">
-            <a:extLst>
-              <a:ext uri="{FF2B5EF4-FFF2-40B4-BE49-F238E27FC236}">
-                <a16:creationId xmlns:a16="http://schemas.microsoft.com/office/drawing/2014/main" id="{C5AA671F-C479-465A-80EB-3AA6D4515EC1}"/>
-              </a:ext>
-            </a:extLst>
-          </p:cNvPr>
-          <p:cNvPicPr>
-            <a:picLocks noGrp="1"/>
-          </p:cNvPicPr>
-          <p:nvPr>
-            <p:ph idx="1"/>
-          </p:nvPr>
-        </p:nvPicPr>
-        <p:blipFill>
-          <a:blip r:embed="rId2" cstate="print">
-            <a:extLst>
-              <a:ext uri="{28A0092B-C50C-407E-A947-70E740481C1C}">
-                <a14:useLocalDpi xmlns:a14="http://schemas.microsoft.com/office/drawing/2010/main" val="0"/>
-              </a:ext>
-            </a:extLst>
-          </a:blip>
-          <a:srcRect/>
-          <a:stretch>
-            <a:fillRect/>
-          </a:stretch>
-        </p:blipFill>
-        <p:spPr bwMode="auto">
-          <a:xfrm>
-            <a:off x="622851" y="1951930"/>
-            <a:ext cx="10535479" cy="4540945"/>
-          </a:xfrm>
-          <a:prstGeom prst="rect">
-            <a:avLst/>
-          </a:prstGeom>
-          <a:noFill/>
-          <a:ln>
-            <a:noFill/>
-          </a:ln>
-        </p:spPr>
-      </p:pic>
+            <a:endParaRPr lang="he-IL" sz="4800" dirty="0"/>
+          </a:p>
+        </p:txBody>
+      </p:sp>
       <p:sp>
         <p:nvSpPr>
           <p:cNvPr id="6" name="תיבת טקסט 5">
@@ -3570,7 +3517,7 @@
         </p:nvSpPr>
         <p:spPr>
           <a:xfrm>
-            <a:off x="622851" y="1391481"/>
+            <a:off x="622851" y="1011862"/>
             <a:ext cx="10853530" cy="369332"/>
           </a:xfrm>
           <a:prstGeom prst="rect">
@@ -3596,6 +3543,37 @@
           </a:p>
         </p:txBody>
       </p:sp>
+      <p:pic>
+        <p:nvPicPr>
+          <p:cNvPr id="7" name="מציין מיקום תוכן 6">
+            <a:extLst>
+              <a:ext uri="{FF2B5EF4-FFF2-40B4-BE49-F238E27FC236}">
+                <a16:creationId xmlns:a16="http://schemas.microsoft.com/office/drawing/2014/main" id="{3A2740AC-634A-43F2-8283-D8CE53037153}"/>
+              </a:ext>
+            </a:extLst>
+          </p:cNvPr>
+          <p:cNvPicPr>
+            <a:picLocks noGrp="1" noChangeAspect="1"/>
+          </p:cNvPicPr>
+          <p:nvPr>
+            <p:ph idx="1"/>
+          </p:nvPr>
+        </p:nvPicPr>
+        <p:blipFill rotWithShape="1">
+          <a:blip r:embed="rId2"/>
+          <a:srcRect t="11065" r="1988" b="5525"/>
+          <a:stretch/>
+        </p:blipFill>
+        <p:spPr>
+          <a:xfrm>
+            <a:off x="622851" y="1518748"/>
+            <a:ext cx="10684566" cy="5112234"/>
+          </a:xfrm>
+          <a:prstGeom prst="rect">
+            <a:avLst/>
+          </a:prstGeom>
+        </p:spPr>
+      </p:pic>
     </p:spTree>
     <p:extLst>
       <p:ext uri="{BB962C8B-B14F-4D97-AF65-F5344CB8AC3E}">
